--- a/Lecture3.pptx
+++ b/Lecture3.pptx
@@ -343,7 +343,7 @@
           <a:p>
             <a:fld id="{FB30EDBD-1C2D-4C1E-B459-B60219FAB484}" type="datetimeFigureOut">
               <a:rPr lang="ko-KR" altLang="en-US" smtClean="0"/>
-              <a:t>2019-03-18</a:t>
+              <a:t>2019-03-25</a:t>
             </a:fld>
             <a:endParaRPr lang="ko-KR" altLang="en-US"/>
           </a:p>
@@ -506,7 +506,7 @@
           <a:p>
             <a:fld id="{FB30EDBD-1C2D-4C1E-B459-B60219FAB484}" type="datetimeFigureOut">
               <a:rPr lang="ko-KR" altLang="en-US" smtClean="0"/>
-              <a:t>2019-03-18</a:t>
+              <a:t>2019-03-25</a:t>
             </a:fld>
             <a:endParaRPr lang="ko-KR" altLang="en-US"/>
           </a:p>
@@ -679,7 +679,7 @@
           <a:p>
             <a:fld id="{FB30EDBD-1C2D-4C1E-B459-B60219FAB484}" type="datetimeFigureOut">
               <a:rPr lang="ko-KR" altLang="en-US" smtClean="0"/>
-              <a:t>2019-03-18</a:t>
+              <a:t>2019-03-25</a:t>
             </a:fld>
             <a:endParaRPr lang="ko-KR" altLang="en-US"/>
           </a:p>
@@ -842,7 +842,7 @@
           <a:p>
             <a:fld id="{FB30EDBD-1C2D-4C1E-B459-B60219FAB484}" type="datetimeFigureOut">
               <a:rPr lang="ko-KR" altLang="en-US" smtClean="0"/>
-              <a:t>2019-03-18</a:t>
+              <a:t>2019-03-25</a:t>
             </a:fld>
             <a:endParaRPr lang="ko-KR" altLang="en-US"/>
           </a:p>
@@ -1082,7 +1082,7 @@
           <a:p>
             <a:fld id="{FB30EDBD-1C2D-4C1E-B459-B60219FAB484}" type="datetimeFigureOut">
               <a:rPr lang="ko-KR" altLang="en-US" smtClean="0"/>
-              <a:t>2019-03-18</a:t>
+              <a:t>2019-03-25</a:t>
             </a:fld>
             <a:endParaRPr lang="ko-KR" altLang="en-US"/>
           </a:p>
@@ -1362,7 +1362,7 @@
           <a:p>
             <a:fld id="{FB30EDBD-1C2D-4C1E-B459-B60219FAB484}" type="datetimeFigureOut">
               <a:rPr lang="ko-KR" altLang="en-US" smtClean="0"/>
-              <a:t>2019-03-18</a:t>
+              <a:t>2019-03-25</a:t>
             </a:fld>
             <a:endParaRPr lang="ko-KR" altLang="en-US"/>
           </a:p>
@@ -1776,7 +1776,7 @@
           <a:p>
             <a:fld id="{FB30EDBD-1C2D-4C1E-B459-B60219FAB484}" type="datetimeFigureOut">
               <a:rPr lang="ko-KR" altLang="en-US" smtClean="0"/>
-              <a:t>2019-03-18</a:t>
+              <a:t>2019-03-25</a:t>
             </a:fld>
             <a:endParaRPr lang="ko-KR" altLang="en-US"/>
           </a:p>
@@ -1888,7 +1888,7 @@
           <a:p>
             <a:fld id="{FB30EDBD-1C2D-4C1E-B459-B60219FAB484}" type="datetimeFigureOut">
               <a:rPr lang="ko-KR" altLang="en-US" smtClean="0"/>
-              <a:t>2019-03-18</a:t>
+              <a:t>2019-03-25</a:t>
             </a:fld>
             <a:endParaRPr lang="ko-KR" altLang="en-US"/>
           </a:p>
@@ -1978,7 +1978,7 @@
           <a:p>
             <a:fld id="{FB30EDBD-1C2D-4C1E-B459-B60219FAB484}" type="datetimeFigureOut">
               <a:rPr lang="ko-KR" altLang="en-US" smtClean="0"/>
-              <a:t>2019-03-18</a:t>
+              <a:t>2019-03-25</a:t>
             </a:fld>
             <a:endParaRPr lang="ko-KR" altLang="en-US"/>
           </a:p>
@@ -2248,7 +2248,7 @@
           <a:p>
             <a:fld id="{FB30EDBD-1C2D-4C1E-B459-B60219FAB484}" type="datetimeFigureOut">
               <a:rPr lang="ko-KR" altLang="en-US" smtClean="0"/>
-              <a:t>2019-03-18</a:t>
+              <a:t>2019-03-25</a:t>
             </a:fld>
             <a:endParaRPr lang="ko-KR" altLang="en-US"/>
           </a:p>
@@ -2495,7 +2495,7 @@
           <a:p>
             <a:fld id="{FB30EDBD-1C2D-4C1E-B459-B60219FAB484}" type="datetimeFigureOut">
               <a:rPr lang="ko-KR" altLang="en-US" smtClean="0"/>
-              <a:t>2019-03-18</a:t>
+              <a:t>2019-03-25</a:t>
             </a:fld>
             <a:endParaRPr lang="ko-KR" altLang="en-US"/>
           </a:p>
@@ -2701,7 +2701,7 @@
           <a:p>
             <a:fld id="{FB30EDBD-1C2D-4C1E-B459-B60219FAB484}" type="datetimeFigureOut">
               <a:rPr lang="ko-KR" altLang="en-US" smtClean="0"/>
-              <a:t>2019-03-18</a:t>
+              <a:t>2019-03-25</a:t>
             </a:fld>
             <a:endParaRPr lang="ko-KR" altLang="en-US"/>
           </a:p>
@@ -13208,6 +13208,74 @@
           </a:p>
         </p:txBody>
       </p:sp>
+      <p:sp>
+        <p:nvSpPr>
+          <p:cNvPr id="3" name="TextBox 2">
+            <a:extLst>
+              <a:ext uri="{FF2B5EF4-FFF2-40B4-BE49-F238E27FC236}">
+                <a16:creationId xmlns:a16="http://schemas.microsoft.com/office/drawing/2014/main" id="{164E133A-6BA8-451E-9936-2CBC06CC27A9}"/>
+              </a:ext>
+            </a:extLst>
+          </p:cNvPr>
+          <p:cNvSpPr txBox="1"/>
+          <p:nvPr/>
+        </p:nvSpPr>
+        <p:spPr>
+          <a:xfrm>
+            <a:off x="4572000" y="1600200"/>
+            <a:ext cx="5112568" cy="369332"/>
+          </a:xfrm>
+          <a:prstGeom prst="rect">
+            <a:avLst/>
+          </a:prstGeom>
+          <a:noFill/>
+        </p:spPr>
+        <p:txBody>
+          <a:bodyPr wrap="square" rtlCol="0">
+            <a:spAutoFit/>
+          </a:bodyPr>
+          <a:lstStyle/>
+          <a:p>
+            <a:r>
+              <a:rPr lang="ko-KR" altLang="en-US" dirty="0">
+                <a:solidFill>
+                  <a:srgbClr val="FF0000"/>
+                </a:solidFill>
+              </a:rPr>
+              <a:t>매프레임 </a:t>
+            </a:r>
+            <a:r>
+              <a:rPr lang="ko-KR" altLang="en-US" dirty="0" err="1">
+                <a:solidFill>
+                  <a:srgbClr val="FF0000"/>
+                </a:solidFill>
+              </a:rPr>
+              <a:t>넣을수있는</a:t>
+            </a:r>
+            <a:r>
+              <a:rPr lang="ko-KR" altLang="en-US" dirty="0">
+                <a:solidFill>
+                  <a:srgbClr val="FF0000"/>
+                </a:solidFill>
+              </a:rPr>
+              <a:t> 양이 </a:t>
+            </a:r>
+            <a:r>
+              <a:rPr lang="ko-KR" altLang="en-US" dirty="0" err="1">
+                <a:solidFill>
+                  <a:srgbClr val="FF0000"/>
+                </a:solidFill>
+              </a:rPr>
+              <a:t>제한되어있다</a:t>
+            </a:r>
+            <a:endParaRPr lang="ko-KR" altLang="en-US" dirty="0">
+              <a:solidFill>
+                <a:srgbClr val="FF0000"/>
+              </a:solidFill>
+            </a:endParaRPr>
+          </a:p>
+        </p:txBody>
+      </p:sp>
     </p:spTree>
     <p:extLst>
       <p:ext uri="{BB962C8B-B14F-4D97-AF65-F5344CB8AC3E}">
